--- a/teil2/Distribution/foofoo.pptx
+++ b/teil2/Distribution/foofoo.pptx
@@ -12,26 +12,27 @@
     <p:sldId id="266" r:id="rId6"/>
     <p:sldId id="267" r:id="rId7"/>
     <p:sldId id="279" r:id="rId8"/>
-    <p:sldId id="274" r:id="rId9"/>
-    <p:sldId id="275" r:id="rId10"/>
-    <p:sldId id="276" r:id="rId11"/>
-    <p:sldId id="277" r:id="rId12"/>
-    <p:sldId id="278" r:id="rId13"/>
-    <p:sldId id="281" r:id="rId14"/>
-    <p:sldId id="282" r:id="rId15"/>
-    <p:sldId id="283" r:id="rId16"/>
-    <p:sldId id="260" r:id="rId17"/>
-    <p:sldId id="262" r:id="rId18"/>
-    <p:sldId id="263" r:id="rId19"/>
-    <p:sldId id="264" r:id="rId20"/>
-    <p:sldId id="265" r:id="rId21"/>
-    <p:sldId id="268" r:id="rId22"/>
-    <p:sldId id="269" r:id="rId23"/>
-    <p:sldId id="270" r:id="rId24"/>
-    <p:sldId id="271" r:id="rId25"/>
-    <p:sldId id="273" r:id="rId26"/>
-    <p:sldId id="272" r:id="rId27"/>
-    <p:sldId id="259" r:id="rId28"/>
+    <p:sldId id="284" r:id="rId9"/>
+    <p:sldId id="274" r:id="rId10"/>
+    <p:sldId id="275" r:id="rId11"/>
+    <p:sldId id="276" r:id="rId12"/>
+    <p:sldId id="277" r:id="rId13"/>
+    <p:sldId id="278" r:id="rId14"/>
+    <p:sldId id="281" r:id="rId15"/>
+    <p:sldId id="282" r:id="rId16"/>
+    <p:sldId id="283" r:id="rId17"/>
+    <p:sldId id="260" r:id="rId18"/>
+    <p:sldId id="262" r:id="rId19"/>
+    <p:sldId id="263" r:id="rId20"/>
+    <p:sldId id="264" r:id="rId21"/>
+    <p:sldId id="265" r:id="rId22"/>
+    <p:sldId id="268" r:id="rId23"/>
+    <p:sldId id="269" r:id="rId24"/>
+    <p:sldId id="270" r:id="rId25"/>
+    <p:sldId id="271" r:id="rId26"/>
+    <p:sldId id="273" r:id="rId27"/>
+    <p:sldId id="272" r:id="rId28"/>
+    <p:sldId id="259" r:id="rId29"/>
   </p:sldIdLst>
   <p:sldSz cx="12192000" cy="6858000"/>
   <p:notesSz cx="6858000" cy="9144000"/>
@@ -146,6 +147,7 @@
             <p14:sldId id="266"/>
             <p14:sldId id="267"/>
             <p14:sldId id="279"/>
+            <p14:sldId id="284"/>
           </p14:sldIdLst>
         </p14:section>
         <p14:section name="Ruel" id="{22FFF5C0-50EF-4823-8F70-CA112D9CCAE1}">
@@ -187,7 +189,7 @@
       </p14:sectionLst>
     </p:ext>
     <p:ext uri="{EFAFB233-063F-42B5-8137-9DF3F51BA10A}">
-      <p15:sldGuideLst xmlns:p15="http://schemas.microsoft.com/office/powerpoint/2012/main"/>
+      <p15:sldGuideLst xmlns:p15="http://schemas.microsoft.com/office/powerpoint/2012/main" xmlns=""/>
     </p:ext>
   </p:extLst>
 </p:presentation>
@@ -596,7 +598,7 @@
           <a:p>
             <a:fld id="{039FB733-BA25-4F5A-AA5F-87390FC88311}" type="datetimeFigureOut">
               <a:rPr lang="de-CH" smtClean="0"/>
-              <a:t>21.09.2015</a:t>
+              <a:t>22.09.2015</a:t>
             </a:fld>
             <a:endParaRPr lang="de-CH"/>
           </a:p>
@@ -663,6 +665,13 @@
   <p:clrMapOvr>
     <a:masterClrMapping/>
   </p:clrMapOvr>
+  <p:timing>
+    <p:tnLst>
+      <p:par>
+        <p:cTn id="1" dur="indefinite" restart="never" nodeType="tmRoot"/>
+      </p:par>
+    </p:tnLst>
+  </p:timing>
 </p:sldLayout>
 </file>
 
@@ -775,7 +784,7 @@
           <a:p>
             <a:fld id="{039FB733-BA25-4F5A-AA5F-87390FC88311}" type="datetimeFigureOut">
               <a:rPr lang="de-CH" smtClean="0"/>
-              <a:t>21.09.2015</a:t>
+              <a:t>22.09.2015</a:t>
             </a:fld>
             <a:endParaRPr lang="de-CH"/>
           </a:p>
@@ -955,7 +964,7 @@
           <a:p>
             <a:fld id="{039FB733-BA25-4F5A-AA5F-87390FC88311}" type="datetimeFigureOut">
               <a:rPr lang="de-CH" smtClean="0"/>
-              <a:t>21.09.2015</a:t>
+              <a:t>22.09.2015</a:t>
             </a:fld>
             <a:endParaRPr lang="de-CH"/>
           </a:p>
@@ -1049,7 +1058,7 @@
           <a:lstStyle/>
           <a:p>
             <a:r>
-              <a:rPr lang="de-DE" smtClean="0"/>
+              <a:rPr lang="de-DE" dirty="0" smtClean="0"/>
               <a:t>Titelmasterformat durch Klicken bearbeiten</a:t>
             </a:r>
             <a:endParaRPr lang="en-US" dirty="0"/>
@@ -1143,7 +1152,7 @@
           <a:p>
             <a:fld id="{039FB733-BA25-4F5A-AA5F-87390FC88311}" type="datetimeFigureOut">
               <a:rPr lang="de-CH" smtClean="0"/>
-              <a:t>21.09.2015</a:t>
+              <a:t>22.09.2015</a:t>
             </a:fld>
             <a:endParaRPr lang="de-CH"/>
           </a:p>
@@ -1201,6 +1210,13 @@
   <p:clrMapOvr>
     <a:masterClrMapping/>
   </p:clrMapOvr>
+  <p:timing>
+    <p:tnLst>
+      <p:par>
+        <p:cTn id="1" dur="indefinite" restart="never" nodeType="tmRoot"/>
+      </p:par>
+    </p:tnLst>
+  </p:timing>
 </p:sldLayout>
 </file>
 
@@ -1456,7 +1472,7 @@
           <a:p>
             <a:fld id="{039FB733-BA25-4F5A-AA5F-87390FC88311}" type="datetimeFigureOut">
               <a:rPr lang="de-CH" smtClean="0"/>
-              <a:t>21.09.2015</a:t>
+              <a:t>22.09.2015</a:t>
             </a:fld>
             <a:endParaRPr lang="de-CH"/>
           </a:p>
@@ -1842,7 +1858,7 @@
           <a:p>
             <a:fld id="{039FB733-BA25-4F5A-AA5F-87390FC88311}" type="datetimeFigureOut">
               <a:rPr lang="de-CH" smtClean="0"/>
-              <a:t>21.09.2015</a:t>
+              <a:t>22.09.2015</a:t>
             </a:fld>
             <a:endParaRPr lang="de-CH"/>
           </a:p>
@@ -2276,7 +2292,7 @@
           <a:p>
             <a:fld id="{039FB733-BA25-4F5A-AA5F-87390FC88311}" type="datetimeFigureOut">
               <a:rPr lang="de-CH" smtClean="0"/>
-              <a:t>21.09.2015</a:t>
+              <a:t>22.09.2015</a:t>
             </a:fld>
             <a:endParaRPr lang="de-CH"/>
           </a:p>
@@ -2394,7 +2410,7 @@
           <a:p>
             <a:fld id="{039FB733-BA25-4F5A-AA5F-87390FC88311}" type="datetimeFigureOut">
               <a:rPr lang="de-CH" smtClean="0"/>
-              <a:t>21.09.2015</a:t>
+              <a:t>22.09.2015</a:t>
             </a:fld>
             <a:endParaRPr lang="de-CH"/>
           </a:p>
@@ -2489,7 +2505,7 @@
           <a:p>
             <a:fld id="{039FB733-BA25-4F5A-AA5F-87390FC88311}" type="datetimeFigureOut">
               <a:rPr lang="de-CH" smtClean="0"/>
-              <a:t>21.09.2015</a:t>
+              <a:t>22.09.2015</a:t>
             </a:fld>
             <a:endParaRPr lang="de-CH"/>
           </a:p>
@@ -2839,7 +2855,7 @@
           <a:p>
             <a:fld id="{039FB733-BA25-4F5A-AA5F-87390FC88311}" type="datetimeFigureOut">
               <a:rPr lang="de-CH" smtClean="0"/>
-              <a:t>21.09.2015</a:t>
+              <a:t>22.09.2015</a:t>
             </a:fld>
             <a:endParaRPr lang="de-CH"/>
           </a:p>
@@ -3264,7 +3280,7 @@
           <a:p>
             <a:fld id="{039FB733-BA25-4F5A-AA5F-87390FC88311}" type="datetimeFigureOut">
               <a:rPr lang="de-CH" smtClean="0"/>
-              <a:t>21.09.2015</a:t>
+              <a:t>22.09.2015</a:t>
             </a:fld>
             <a:endParaRPr lang="de-CH"/>
           </a:p>
@@ -3443,7 +3459,7 @@
           <a:lstStyle/>
           <a:p>
             <a:r>
-              <a:rPr lang="de-DE" smtClean="0"/>
+              <a:rPr lang="de-DE" dirty="0" smtClean="0"/>
               <a:t>Titelmasterformat durch Klicken bearbeiten</a:t>
             </a:r>
             <a:endParaRPr lang="en-US" dirty="0"/>
@@ -3477,35 +3493,35 @@
           <a:p>
             <a:pPr lvl="0"/>
             <a:r>
-              <a:rPr lang="de-DE" smtClean="0"/>
+              <a:rPr lang="de-DE" dirty="0" smtClean="0"/>
               <a:t>Textmasterformat bearbeiten</a:t>
             </a:r>
           </a:p>
           <a:p>
             <a:pPr lvl="1"/>
             <a:r>
-              <a:rPr lang="de-DE" smtClean="0"/>
+              <a:rPr lang="de-DE" dirty="0" smtClean="0"/>
               <a:t>Zweite Ebene</a:t>
             </a:r>
           </a:p>
           <a:p>
             <a:pPr lvl="2"/>
             <a:r>
-              <a:rPr lang="de-DE" smtClean="0"/>
+              <a:rPr lang="de-DE" dirty="0" smtClean="0"/>
               <a:t>Dritte Ebene</a:t>
             </a:r>
           </a:p>
           <a:p>
             <a:pPr lvl="3"/>
             <a:r>
-              <a:rPr lang="de-DE" smtClean="0"/>
+              <a:rPr lang="de-DE" dirty="0" smtClean="0"/>
               <a:t>Vierte Ebene</a:t>
             </a:r>
           </a:p>
           <a:p>
             <a:pPr lvl="4"/>
             <a:r>
-              <a:rPr lang="de-DE" smtClean="0"/>
+              <a:rPr lang="de-DE" dirty="0" smtClean="0"/>
               <a:t>Fünfte Ebene</a:t>
             </a:r>
             <a:endParaRPr lang="en-US" dirty="0"/>
@@ -3545,9 +3561,9 @@
           <a:p>
             <a:fld id="{039FB733-BA25-4F5A-AA5F-87390FC88311}" type="datetimeFigureOut">
               <a:rPr lang="de-CH" smtClean="0"/>
-              <a:t>21.09.2015</a:t>
+              <a:t>22.09.2015</a:t>
             </a:fld>
-            <a:endParaRPr lang="de-CH"/>
+            <a:endParaRPr lang="de-CH" dirty="0"/>
           </a:p>
         </p:txBody>
       </p:sp>
@@ -3702,16 +3718,17 @@
                 <a:solidFill>
                   <a:srgbClr val="FFFFFF"/>
                 </a:solidFill>
-                <a:latin typeface="+mj-lt"/>
+                <a:latin typeface="+mn-lt"/>
               </a:defRPr>
             </a:lvl1pPr>
           </a:lstStyle>
           <a:p>
             <a:fld id="{0B7D1BBB-D686-4F47-B45F-ECC7D6958112}" type="slidenum">
               <a:rPr lang="de-CH" smtClean="0"/>
+              <a:pPr/>
               <a:t>‹Nr.›</a:t>
             </a:fld>
-            <a:endParaRPr lang="de-CH"/>
+            <a:endParaRPr lang="de-CH" dirty="0"/>
           </a:p>
         </p:txBody>
       </p:sp>
@@ -3736,6 +3753,13 @@
     <p:sldLayoutId id="2147483971" r:id="rId10"/>
     <p:sldLayoutId id="2147483972" r:id="rId11"/>
   </p:sldLayoutIdLst>
+  <p:timing>
+    <p:tnLst>
+      <p:par>
+        <p:cTn id="1" dur="indefinite" restart="never" nodeType="tmRoot"/>
+      </p:par>
+    </p:tnLst>
+  </p:timing>
   <p:txStyles>
     <p:titleStyle>
       <a:lvl1pPr algn="l" defTabSz="914400" rtl="0" eaLnBrk="1" latinLnBrk="0" hangingPunct="1">
@@ -3757,7 +3781,7 @@
             </a:blip>
             <a:tile tx="6350" ty="-127000" sx="65000" sy="64000" flip="none" algn="tl"/>
           </a:blipFill>
-          <a:latin typeface="+mj-lt"/>
+          <a:latin typeface="+mn-lt"/>
           <a:ea typeface="+mj-ea"/>
           <a:cs typeface="+mj-cs"/>
         </a:defRPr>
@@ -4137,8 +4161,14 @@
           <a:lstStyle/>
           <a:p>
             <a:r>
-              <a:rPr lang="de-CH" dirty="0" smtClean="0"/>
-              <a:t>Projektarbeit DB V2.0</a:t>
+              <a:rPr lang="de-CH" dirty="0" smtClean="0">
+                <a:latin typeface="+mn-lt"/>
+              </a:rPr>
+              <a:t>Projektarbeit</a:t>
+            </a:r>
+            <a:r>
+              <a:rPr lang="de-CH" dirty="0" smtClean="0"/>
+              <a:t> DB V2.0</a:t>
             </a:r>
             <a:endParaRPr lang="de-CH" dirty="0"/>
           </a:p>
@@ -4160,8 +4190,47 @@
           <a:lstStyle/>
           <a:p>
             <a:r>
-              <a:rPr lang="de-CH" dirty="0" smtClean="0"/>
-              <a:t>Ruel Holderegger, Gottfried Mayer, Maurus Kühne und Elias Schwarz</a:t>
+              <a:rPr lang="de-CH" dirty="0" err="1" smtClean="0"/>
+              <a:t>Ruel</a:t>
+            </a:r>
+            <a:r>
+              <a:rPr lang="de-CH" dirty="0" smtClean="0"/>
+              <a:t> </a:t>
+            </a:r>
+            <a:r>
+              <a:rPr lang="de-CH" dirty="0" err="1" smtClean="0"/>
+              <a:t>Holderegger</a:t>
+            </a:r>
+            <a:r>
+              <a:rPr lang="de-CH" dirty="0"/>
+              <a:t>,</a:t>
+            </a:r>
+            <a:r>
+              <a:rPr lang="de-CH" dirty="0" smtClean="0"/>
+              <a:t> </a:t>
+            </a:r>
+            <a:r>
+              <a:rPr lang="de-CH" dirty="0" smtClean="0"/>
+              <a:t>Gottfried </a:t>
+            </a:r>
+            <a:r>
+              <a:rPr lang="de-CH" dirty="0" smtClean="0"/>
+              <a:t>Mayer,</a:t>
+            </a:r>
+            <a:br>
+              <a:rPr lang="de-CH" dirty="0" smtClean="0"/>
+            </a:br>
+            <a:r>
+              <a:rPr lang="de-CH" dirty="0" err="1" smtClean="0"/>
+              <a:t>Maurus</a:t>
+            </a:r>
+            <a:r>
+              <a:rPr lang="de-CH" dirty="0" smtClean="0"/>
+              <a:t> Kühne, </a:t>
+            </a:r>
+            <a:r>
+              <a:rPr lang="de-CH" dirty="0" smtClean="0"/>
+              <a:t>Elias Schwarz</a:t>
             </a:r>
             <a:endParaRPr lang="de-CH" dirty="0"/>
           </a:p>
@@ -4177,6 +4246,13 @@
   <p:clrMapOvr>
     <a:masterClrMapping/>
   </p:clrMapOvr>
+  <p:timing>
+    <p:tnLst>
+      <p:par>
+        <p:cTn id="1" dur="indefinite" restart="never" nodeType="tmRoot"/>
+      </p:par>
+    </p:tnLst>
+  </p:timing>
 </p:sld>
 </file>
 
@@ -4218,7 +4294,7 @@
             </a:r>
             <a:r>
               <a:rPr lang="de-CH" dirty="0" err="1" smtClean="0"/>
-              <a:t>V_FreeNetworkInterfaces</a:t>
+              <a:t>V_Invoices</a:t>
             </a:r>
             <a:endParaRPr lang="de-CH" dirty="0"/>
           </a:p>
@@ -4241,20 +4317,25 @@
           <a:p>
             <a:r>
               <a:rPr lang="de-CH" dirty="0" smtClean="0"/>
-              <a:t>Ermittelt alle nicht belegten Netzwerkinterfaces</a:t>
-            </a:r>
-          </a:p>
-          <a:p>
-            <a:endParaRPr lang="de-CH" dirty="0"/>
-          </a:p>
-          <a:p>
-            <a:r>
-              <a:rPr lang="de-CH" dirty="0" smtClean="0"/>
-              <a:t>Ermittlung via </a:t>
-            </a:r>
-            <a:r>
-              <a:rPr lang="de-CH" dirty="0" err="1" smtClean="0"/>
-              <a:t>RelNetworkInterfaces</a:t>
+              <a:t>View aller Rechnungen</a:t>
+            </a:r>
+          </a:p>
+          <a:p>
+            <a:endParaRPr lang="de-CH" dirty="0"/>
+          </a:p>
+          <a:p>
+            <a:r>
+              <a:rPr lang="de-CH" dirty="0" smtClean="0"/>
+              <a:t>Beinhaltet Betrag mit / ohne Gutschrift (Zahlung)</a:t>
+            </a:r>
+          </a:p>
+          <a:p>
+            <a:endParaRPr lang="de-CH" dirty="0"/>
+          </a:p>
+          <a:p>
+            <a:r>
+              <a:rPr lang="de-CH" dirty="0" smtClean="0"/>
+              <a:t>Hilfsview für Implementation Fakturierung &amp; Client</a:t>
             </a:r>
             <a:endParaRPr lang="de-CH" dirty="0"/>
           </a:p>
@@ -4263,7 +4344,7 @@
     </p:spTree>
     <p:extLst>
       <p:ext uri="{BB962C8B-B14F-4D97-AF65-F5344CB8AC3E}">
-        <p14:creationId xmlns:p14="http://schemas.microsoft.com/office/powerpoint/2010/main" val="2980213478"/>
+        <p14:creationId xmlns:p14="http://schemas.microsoft.com/office/powerpoint/2010/main" val="230718660"/>
       </p:ext>
     </p:extLst>
   </p:cSld>
@@ -4309,7 +4390,9 @@
         </p:nvSpPr>
         <p:spPr/>
         <p:txBody>
-          <a:bodyPr/>
+          <a:bodyPr>
+            <a:normAutofit fontScale="90000"/>
+          </a:bodyPr>
           <a:lstStyle/>
           <a:p>
             <a:r>
@@ -4318,7 +4401,7 @@
             </a:r>
             <a:r>
               <a:rPr lang="de-CH" dirty="0" err="1" smtClean="0"/>
-              <a:t>V_DeviceCatalog</a:t>
+              <a:t>V_FreeNetworkInterfaces</a:t>
             </a:r>
             <a:endParaRPr lang="de-CH" dirty="0"/>
           </a:p>
@@ -4341,28 +4424,20 @@
           <a:p>
             <a:r>
               <a:rPr lang="de-CH" dirty="0" smtClean="0"/>
-              <a:t>Ermittlung aller aktiven Gerätekategorien</a:t>
-            </a:r>
-          </a:p>
-          <a:p>
-            <a:endParaRPr lang="de-CH" dirty="0"/>
-          </a:p>
-          <a:p>
-            <a:r>
-              <a:rPr lang="de-CH" dirty="0" smtClean="0"/>
-              <a:t>Feld «</a:t>
+              <a:t>Ermittelt alle nicht belegten Netzwerkinterfaces</a:t>
+            </a:r>
+          </a:p>
+          <a:p>
+            <a:endParaRPr lang="de-CH" dirty="0"/>
+          </a:p>
+          <a:p>
+            <a:r>
+              <a:rPr lang="de-CH" dirty="0" smtClean="0"/>
+              <a:t>Ermittlung via </a:t>
             </a:r>
             <a:r>
               <a:rPr lang="de-CH" dirty="0" err="1" smtClean="0"/>
-              <a:t>Inactiv</a:t>
-            </a:r>
-            <a:r>
-              <a:rPr lang="de-CH" dirty="0" smtClean="0"/>
-              <a:t>» auf </a:t>
-            </a:r>
-            <a:r>
-              <a:rPr lang="de-CH" dirty="0" err="1" smtClean="0"/>
-              <a:t>DeviceCategory</a:t>
+              <a:t>RelNetworkInterfaces</a:t>
             </a:r>
             <a:endParaRPr lang="de-CH" dirty="0"/>
           </a:p>
@@ -4371,7 +4446,7 @@
     </p:spTree>
     <p:extLst>
       <p:ext uri="{BB962C8B-B14F-4D97-AF65-F5344CB8AC3E}">
-        <p14:creationId xmlns:p14="http://schemas.microsoft.com/office/powerpoint/2010/main" val="890330939"/>
+        <p14:creationId xmlns:p14="http://schemas.microsoft.com/office/powerpoint/2010/main" val="2980213478"/>
       </p:ext>
     </p:extLst>
   </p:cSld>
@@ -4426,7 +4501,7 @@
             </a:r>
             <a:r>
               <a:rPr lang="de-CH" dirty="0" err="1" smtClean="0"/>
-              <a:t>V_LogEntries</a:t>
+              <a:t>V_DeviceCatalog</a:t>
             </a:r>
             <a:endParaRPr lang="de-CH" dirty="0"/>
           </a:p>
@@ -4449,38 +4524,28 @@
           <a:p>
             <a:r>
               <a:rPr lang="de-CH" dirty="0" smtClean="0"/>
-              <a:t>Alle nicht quittierten Meldungen</a:t>
-            </a:r>
-          </a:p>
-          <a:p>
-            <a:endParaRPr lang="de-CH" dirty="0"/>
-          </a:p>
-          <a:p>
-            <a:r>
-              <a:rPr lang="de-CH" dirty="0" smtClean="0"/>
-              <a:t>Quittieren der Meldungen mittels </a:t>
+              <a:t>Ermittlung aller aktiven Gerätekategorien</a:t>
+            </a:r>
+          </a:p>
+          <a:p>
+            <a:endParaRPr lang="de-CH" dirty="0"/>
+          </a:p>
+          <a:p>
+            <a:r>
+              <a:rPr lang="de-CH" dirty="0" smtClean="0"/>
+              <a:t>Feld «</a:t>
             </a:r>
             <a:r>
               <a:rPr lang="de-CH" dirty="0" err="1" smtClean="0"/>
-              <a:t>P_LogClear</a:t>
-            </a:r>
-            <a:endParaRPr lang="de-CH" dirty="0" smtClean="0"/>
-          </a:p>
-          <a:p>
-            <a:endParaRPr lang="de-CH" dirty="0"/>
-          </a:p>
-          <a:p>
-            <a:r>
-              <a:rPr lang="de-CH" dirty="0" smtClean="0"/>
-              <a:t>«</a:t>
+              <a:t>Inactiv</a:t>
+            </a:r>
+            <a:r>
+              <a:rPr lang="de-CH" dirty="0" smtClean="0"/>
+              <a:t>» auf </a:t>
             </a:r>
             <a:r>
               <a:rPr lang="de-CH" dirty="0" err="1" smtClean="0"/>
-              <a:t>Acknowledged</a:t>
-            </a:r>
-            <a:r>
-              <a:rPr lang="de-CH" dirty="0" smtClean="0"/>
-              <a:t>» Feld auf Log</a:t>
+              <a:t>DeviceCategory</a:t>
             </a:r>
             <a:endParaRPr lang="de-CH" dirty="0"/>
           </a:p>
@@ -4489,7 +4554,7 @@
     </p:spTree>
     <p:extLst>
       <p:ext uri="{BB962C8B-B14F-4D97-AF65-F5344CB8AC3E}">
-        <p14:creationId xmlns:p14="http://schemas.microsoft.com/office/powerpoint/2010/main" val="2007916617"/>
+        <p14:creationId xmlns:p14="http://schemas.microsoft.com/office/powerpoint/2010/main" val="890330939"/>
       </p:ext>
     </p:extLst>
   </p:cSld>
@@ -4540,7 +4605,11 @@
           <a:p>
             <a:r>
               <a:rPr lang="de-CH" dirty="0" smtClean="0"/>
-              <a:t>Prozeduren</a:t>
+              <a:t>Views – </a:t>
+            </a:r>
+            <a:r>
+              <a:rPr lang="de-CH" dirty="0" err="1" smtClean="0"/>
+              <a:t>V_LogEntries</a:t>
             </a:r>
             <a:endParaRPr lang="de-CH" dirty="0"/>
           </a:p>
@@ -4558,109 +4627,44 @@
         </p:nvSpPr>
         <p:spPr/>
         <p:txBody>
-          <a:bodyPr>
-            <a:normAutofit fontScale="85000" lnSpcReduction="20000"/>
-          </a:bodyPr>
-          <a:lstStyle/>
-          <a:p>
+          <a:bodyPr/>
+          <a:lstStyle/>
+          <a:p>
+            <a:r>
+              <a:rPr lang="de-CH" dirty="0" smtClean="0"/>
+              <a:t>Alle nicht quittierten Meldungen</a:t>
+            </a:r>
+          </a:p>
+          <a:p>
+            <a:endParaRPr lang="de-CH" dirty="0"/>
+          </a:p>
+          <a:p>
+            <a:r>
+              <a:rPr lang="de-CH" dirty="0" smtClean="0"/>
+              <a:t>Quittieren der Meldungen mittels </a:t>
+            </a:r>
             <a:r>
               <a:rPr lang="de-CH" dirty="0" err="1" smtClean="0"/>
-              <a:t>P_DeviceAdd</a:t>
+              <a:t>P_LogClear</a:t>
             </a:r>
             <a:endParaRPr lang="de-CH" dirty="0" smtClean="0"/>
           </a:p>
           <a:p>
-            <a:endParaRPr lang="de-CH" dirty="0" smtClean="0"/>
-          </a:p>
-          <a:p>
-            <a:r>
-              <a:rPr lang="de-CH" dirty="0" err="1" smtClean="0">
-                <a:solidFill>
-                  <a:schemeClr val="bg1">
-                    <a:lumMod val="65000"/>
-                  </a:schemeClr>
-                </a:solidFill>
-              </a:rPr>
-              <a:t>P_LogClear</a:t>
-            </a:r>
-            <a:endParaRPr lang="de-CH" dirty="0" smtClean="0">
-              <a:solidFill>
-                <a:schemeClr val="bg1">
-                  <a:lumMod val="65000"/>
-                </a:schemeClr>
-              </a:solidFill>
-            </a:endParaRPr>
-          </a:p>
-          <a:p>
-            <a:endParaRPr lang="de-CH" dirty="0" smtClean="0">
-              <a:solidFill>
-                <a:schemeClr val="bg1">
-                  <a:lumMod val="65000"/>
-                </a:schemeClr>
-              </a:solidFill>
-            </a:endParaRPr>
-          </a:p>
-          <a:p>
+            <a:endParaRPr lang="de-CH" dirty="0"/>
+          </a:p>
+          <a:p>
+            <a:r>
+              <a:rPr lang="de-CH" dirty="0" smtClean="0"/>
+              <a:t>«</a:t>
+            </a:r>
             <a:r>
               <a:rPr lang="de-CH" dirty="0" err="1" smtClean="0"/>
-              <a:t>P_LogMessageAdd</a:t>
-            </a:r>
-            <a:endParaRPr lang="de-CH" dirty="0" smtClean="0"/>
-          </a:p>
-          <a:p>
-            <a:endParaRPr lang="de-CH" dirty="0" smtClean="0"/>
-          </a:p>
-          <a:p>
-            <a:r>
-              <a:rPr lang="de-CH" dirty="0" err="1" smtClean="0">
-                <a:solidFill>
-                  <a:schemeClr val="bg1">
-                    <a:lumMod val="65000"/>
-                  </a:schemeClr>
-                </a:solidFill>
-              </a:rPr>
-              <a:t>P_NightlyInvoicing</a:t>
-            </a:r>
-            <a:endParaRPr lang="de-CH" dirty="0" smtClean="0">
-              <a:solidFill>
-                <a:schemeClr val="bg1">
-                  <a:lumMod val="65000"/>
-                </a:schemeClr>
-              </a:solidFill>
-            </a:endParaRPr>
-          </a:p>
-          <a:p>
-            <a:endParaRPr lang="de-CH" dirty="0" smtClean="0">
-              <a:solidFill>
-                <a:schemeClr val="bg1">
-                  <a:lumMod val="65000"/>
-                </a:schemeClr>
-              </a:solidFill>
-            </a:endParaRPr>
-          </a:p>
-          <a:p>
-            <a:r>
-              <a:rPr lang="de-CH" dirty="0" err="1" smtClean="0">
-                <a:solidFill>
-                  <a:schemeClr val="bg1">
-                    <a:lumMod val="65000"/>
-                  </a:schemeClr>
-                </a:solidFill>
-              </a:rPr>
-              <a:t>P_PodBill</a:t>
-            </a:r>
-            <a:endParaRPr lang="de-CH" dirty="0" smtClean="0">
-              <a:solidFill>
-                <a:schemeClr val="bg1">
-                  <a:lumMod val="65000"/>
-                </a:schemeClr>
-              </a:solidFill>
-            </a:endParaRPr>
-          </a:p>
-          <a:p>
-            <a:endParaRPr lang="de-CH" dirty="0" smtClean="0"/>
-          </a:p>
-          <a:p>
+              <a:t>Acknowledged</a:t>
+            </a:r>
+            <a:r>
+              <a:rPr lang="de-CH" dirty="0" smtClean="0"/>
+              <a:t>» Feld auf Log</a:t>
+            </a:r>
             <a:endParaRPr lang="de-CH" dirty="0"/>
           </a:p>
         </p:txBody>
@@ -4668,7 +4672,7 @@
     </p:spTree>
     <p:extLst>
       <p:ext uri="{BB962C8B-B14F-4D97-AF65-F5344CB8AC3E}">
-        <p14:creationId xmlns:p14="http://schemas.microsoft.com/office/powerpoint/2010/main" val="1062550593"/>
+        <p14:creationId xmlns:p14="http://schemas.microsoft.com/office/powerpoint/2010/main" val="2007916617"/>
       </p:ext>
     </p:extLst>
   </p:cSld>
@@ -4719,51 +4723,125 @@
           <a:p>
             <a:r>
               <a:rPr lang="de-CH" dirty="0" smtClean="0"/>
-              <a:t>Prozeduren – </a:t>
-            </a:r>
+              <a:t>Prozeduren</a:t>
+            </a:r>
+            <a:endParaRPr lang="de-CH" dirty="0"/>
+          </a:p>
+        </p:txBody>
+      </p:sp>
+      <p:sp>
+        <p:nvSpPr>
+          <p:cNvPr id="3" name="Inhaltsplatzhalter 2"/>
+          <p:cNvSpPr>
+            <a:spLocks noGrp="1"/>
+          </p:cNvSpPr>
+          <p:nvPr>
+            <p:ph idx="1"/>
+          </p:nvPr>
+        </p:nvSpPr>
+        <p:spPr/>
+        <p:txBody>
+          <a:bodyPr>
+            <a:normAutofit fontScale="85000" lnSpcReduction="20000"/>
+          </a:bodyPr>
+          <a:lstStyle/>
+          <a:p>
             <a:r>
               <a:rPr lang="de-CH" dirty="0" err="1" smtClean="0"/>
               <a:t>P_DeviceAdd</a:t>
             </a:r>
-            <a:endParaRPr lang="de-CH" dirty="0"/>
-          </a:p>
-        </p:txBody>
-      </p:sp>
-      <p:sp>
-        <p:nvSpPr>
-          <p:cNvPr id="3" name="Inhaltsplatzhalter 2"/>
-          <p:cNvSpPr>
-            <a:spLocks noGrp="1"/>
-          </p:cNvSpPr>
-          <p:nvPr>
-            <p:ph idx="1"/>
-          </p:nvPr>
-        </p:nvSpPr>
-        <p:spPr/>
-        <p:txBody>
-          <a:bodyPr/>
-          <a:lstStyle/>
-          <a:p>
-            <a:r>
-              <a:rPr lang="de-CH" dirty="0" smtClean="0"/>
-              <a:t>Erstellt die Grunddaten für ein neues Geräte</a:t>
-            </a:r>
-          </a:p>
-          <a:p>
-            <a:pPr lvl="1"/>
-            <a:r>
-              <a:rPr lang="de-CH" dirty="0" smtClean="0"/>
-              <a:t>Interfaces</a:t>
-            </a:r>
-          </a:p>
-          <a:p>
-            <a:endParaRPr lang="de-CH" dirty="0"/>
-          </a:p>
-          <a:p>
-            <a:r>
-              <a:rPr lang="de-CH" dirty="0" smtClean="0"/>
-              <a:t>Keine spezifischen Daten, da diese nicht mitgegeben werden können</a:t>
-            </a:r>
+            <a:endParaRPr lang="de-CH" dirty="0" smtClean="0"/>
+          </a:p>
+          <a:p>
+            <a:endParaRPr lang="de-CH" dirty="0" smtClean="0"/>
+          </a:p>
+          <a:p>
+            <a:r>
+              <a:rPr lang="de-CH" dirty="0" err="1" smtClean="0">
+                <a:solidFill>
+                  <a:schemeClr val="bg1">
+                    <a:lumMod val="65000"/>
+                  </a:schemeClr>
+                </a:solidFill>
+              </a:rPr>
+              <a:t>P_LogClear</a:t>
+            </a:r>
+            <a:endParaRPr lang="de-CH" dirty="0" smtClean="0">
+              <a:solidFill>
+                <a:schemeClr val="bg1">
+                  <a:lumMod val="65000"/>
+                </a:schemeClr>
+              </a:solidFill>
+            </a:endParaRPr>
+          </a:p>
+          <a:p>
+            <a:endParaRPr lang="de-CH" dirty="0" smtClean="0">
+              <a:solidFill>
+                <a:schemeClr val="bg1">
+                  <a:lumMod val="65000"/>
+                </a:schemeClr>
+              </a:solidFill>
+            </a:endParaRPr>
+          </a:p>
+          <a:p>
+            <a:r>
+              <a:rPr lang="de-CH" dirty="0" err="1" smtClean="0"/>
+              <a:t>P_LogMessageAdd</a:t>
+            </a:r>
+            <a:endParaRPr lang="de-CH" dirty="0" smtClean="0"/>
+          </a:p>
+          <a:p>
+            <a:endParaRPr lang="de-CH" dirty="0" smtClean="0"/>
+          </a:p>
+          <a:p>
+            <a:r>
+              <a:rPr lang="de-CH" dirty="0" err="1" smtClean="0">
+                <a:solidFill>
+                  <a:schemeClr val="bg1">
+                    <a:lumMod val="65000"/>
+                  </a:schemeClr>
+                </a:solidFill>
+              </a:rPr>
+              <a:t>P_NightlyInvoicing</a:t>
+            </a:r>
+            <a:endParaRPr lang="de-CH" dirty="0" smtClean="0">
+              <a:solidFill>
+                <a:schemeClr val="bg1">
+                  <a:lumMod val="65000"/>
+                </a:schemeClr>
+              </a:solidFill>
+            </a:endParaRPr>
+          </a:p>
+          <a:p>
+            <a:endParaRPr lang="de-CH" dirty="0" smtClean="0">
+              <a:solidFill>
+                <a:schemeClr val="bg1">
+                  <a:lumMod val="65000"/>
+                </a:schemeClr>
+              </a:solidFill>
+            </a:endParaRPr>
+          </a:p>
+          <a:p>
+            <a:r>
+              <a:rPr lang="de-CH" dirty="0" err="1" smtClean="0">
+                <a:solidFill>
+                  <a:schemeClr val="bg1">
+                    <a:lumMod val="65000"/>
+                  </a:schemeClr>
+                </a:solidFill>
+              </a:rPr>
+              <a:t>P_PodBill</a:t>
+            </a:r>
+            <a:endParaRPr lang="de-CH" dirty="0" smtClean="0">
+              <a:solidFill>
+                <a:schemeClr val="bg1">
+                  <a:lumMod val="65000"/>
+                </a:schemeClr>
+              </a:solidFill>
+            </a:endParaRPr>
+          </a:p>
+          <a:p>
+            <a:endParaRPr lang="de-CH" dirty="0" smtClean="0"/>
           </a:p>
           <a:p>
             <a:endParaRPr lang="de-CH" dirty="0"/>
@@ -4773,7 +4851,7 @@
     </p:spTree>
     <p:extLst>
       <p:ext uri="{BB962C8B-B14F-4D97-AF65-F5344CB8AC3E}">
-        <p14:creationId xmlns:p14="http://schemas.microsoft.com/office/powerpoint/2010/main" val="1867846005"/>
+        <p14:creationId xmlns:p14="http://schemas.microsoft.com/office/powerpoint/2010/main" val="1062550593"/>
       </p:ext>
     </p:extLst>
   </p:cSld>
@@ -4828,7 +4906,7 @@
             </a:r>
             <a:r>
               <a:rPr lang="de-CH" dirty="0" err="1" smtClean="0"/>
-              <a:t>P_LogMessageAdd</a:t>
+              <a:t>P_DeviceAdd</a:t>
             </a:r>
             <a:endParaRPr lang="de-CH" dirty="0"/>
           </a:p>
@@ -4846,47 +4924,29 @@
         </p:nvSpPr>
         <p:spPr/>
         <p:txBody>
-          <a:bodyPr>
-            <a:normAutofit fontScale="92500"/>
-          </a:bodyPr>
-          <a:lstStyle/>
-          <a:p>
-            <a:r>
-              <a:rPr lang="de-CH" dirty="0" smtClean="0"/>
-              <a:t>Fehlermeldung wenn Gerät nicht existiert</a:t>
-            </a:r>
-          </a:p>
-          <a:p>
-            <a:endParaRPr lang="de-CH" dirty="0"/>
-          </a:p>
-          <a:p>
-            <a:r>
-              <a:rPr lang="de-CH" dirty="0" smtClean="0"/>
-              <a:t>MySQL hat kein RAISERROR</a:t>
-            </a:r>
-          </a:p>
-          <a:p>
-            <a:endParaRPr lang="de-CH" dirty="0"/>
-          </a:p>
-          <a:p>
-            <a:r>
-              <a:rPr lang="de-CH" dirty="0"/>
-              <a:t>SIGNAL SQLSTATE '45001' SET MESSAGE_TEXT = </a:t>
-            </a:r>
-            <a:r>
-              <a:rPr lang="de-CH" dirty="0" smtClean="0"/>
-              <a:t>‘…’</a:t>
-            </a:r>
-          </a:p>
-          <a:p>
-            <a:endParaRPr lang="de-CH" dirty="0" smtClean="0"/>
-          </a:p>
-          <a:p>
-            <a:r>
-              <a:rPr lang="de-CH" dirty="0" smtClean="0"/>
-              <a:t>Fehlernummern sind nicht global</a:t>
-            </a:r>
-            <a:endParaRPr lang="de-CH" dirty="0"/>
+          <a:bodyPr/>
+          <a:lstStyle/>
+          <a:p>
+            <a:r>
+              <a:rPr lang="de-CH" dirty="0" smtClean="0"/>
+              <a:t>Erstellt die Grunddaten für ein neues Geräte</a:t>
+            </a:r>
+          </a:p>
+          <a:p>
+            <a:pPr lvl="1"/>
+            <a:r>
+              <a:rPr lang="de-CH" dirty="0" smtClean="0"/>
+              <a:t>Interfaces</a:t>
+            </a:r>
+          </a:p>
+          <a:p>
+            <a:endParaRPr lang="de-CH" dirty="0"/>
+          </a:p>
+          <a:p>
+            <a:r>
+              <a:rPr lang="de-CH" dirty="0" smtClean="0"/>
+              <a:t>Keine spezifischen Daten, da diese nicht mitgegeben werden können</a:t>
+            </a:r>
           </a:p>
           <a:p>
             <a:endParaRPr lang="de-CH" dirty="0"/>
@@ -4896,7 +4956,7 @@
     </p:spTree>
     <p:extLst>
       <p:ext uri="{BB962C8B-B14F-4D97-AF65-F5344CB8AC3E}">
-        <p14:creationId xmlns:p14="http://schemas.microsoft.com/office/powerpoint/2010/main" val="1508965967"/>
+        <p14:creationId xmlns:p14="http://schemas.microsoft.com/office/powerpoint/2010/main" val="1867846005"/>
       </p:ext>
     </p:extLst>
   </p:cSld>
@@ -4947,6 +5007,129 @@
           <a:p>
             <a:r>
               <a:rPr lang="de-CH" dirty="0" smtClean="0"/>
+              <a:t>Prozeduren – </a:t>
+            </a:r>
+            <a:r>
+              <a:rPr lang="de-CH" dirty="0" err="1" smtClean="0"/>
+              <a:t>P_LogMessageAdd</a:t>
+            </a:r>
+            <a:endParaRPr lang="de-CH" dirty="0"/>
+          </a:p>
+        </p:txBody>
+      </p:sp>
+      <p:sp>
+        <p:nvSpPr>
+          <p:cNvPr id="3" name="Inhaltsplatzhalter 2"/>
+          <p:cNvSpPr>
+            <a:spLocks noGrp="1"/>
+          </p:cNvSpPr>
+          <p:nvPr>
+            <p:ph idx="1"/>
+          </p:nvPr>
+        </p:nvSpPr>
+        <p:spPr/>
+        <p:txBody>
+          <a:bodyPr>
+            <a:normAutofit fontScale="92500"/>
+          </a:bodyPr>
+          <a:lstStyle/>
+          <a:p>
+            <a:r>
+              <a:rPr lang="de-CH" dirty="0" smtClean="0"/>
+              <a:t>Fehlermeldung wenn Gerät nicht existiert</a:t>
+            </a:r>
+          </a:p>
+          <a:p>
+            <a:endParaRPr lang="de-CH" dirty="0"/>
+          </a:p>
+          <a:p>
+            <a:r>
+              <a:rPr lang="de-CH" dirty="0" smtClean="0"/>
+              <a:t>MySQL hat kein RAISERROR</a:t>
+            </a:r>
+          </a:p>
+          <a:p>
+            <a:endParaRPr lang="de-CH" dirty="0"/>
+          </a:p>
+          <a:p>
+            <a:r>
+              <a:rPr lang="de-CH" dirty="0"/>
+              <a:t>SIGNAL SQLSTATE '45001' SET MESSAGE_TEXT = </a:t>
+            </a:r>
+            <a:r>
+              <a:rPr lang="de-CH" dirty="0" smtClean="0"/>
+              <a:t>‘…’</a:t>
+            </a:r>
+          </a:p>
+          <a:p>
+            <a:endParaRPr lang="de-CH" dirty="0" smtClean="0"/>
+          </a:p>
+          <a:p>
+            <a:r>
+              <a:rPr lang="de-CH" dirty="0" smtClean="0"/>
+              <a:t>Fehlernummern sind nicht global</a:t>
+            </a:r>
+            <a:endParaRPr lang="de-CH" dirty="0"/>
+          </a:p>
+          <a:p>
+            <a:endParaRPr lang="de-CH" dirty="0"/>
+          </a:p>
+        </p:txBody>
+      </p:sp>
+    </p:spTree>
+    <p:extLst>
+      <p:ext uri="{BB962C8B-B14F-4D97-AF65-F5344CB8AC3E}">
+        <p14:creationId xmlns:p14="http://schemas.microsoft.com/office/powerpoint/2010/main" val="1508965967"/>
+      </p:ext>
+    </p:extLst>
+  </p:cSld>
+  <p:clrMapOvr>
+    <a:masterClrMapping/>
+  </p:clrMapOvr>
+  <p:timing>
+    <p:tnLst>
+      <p:par>
+        <p:cTn id="1" dur="indefinite" restart="never" nodeType="tmRoot"/>
+      </p:par>
+    </p:tnLst>
+  </p:timing>
+</p:sld>
+</file>
+
+<file path=ppt/slides/slide17.xml><?xml version="1.0" encoding="utf-8"?>
+<p:sld xmlns:a="http://schemas.openxmlformats.org/drawingml/2006/main" xmlns:r="http://schemas.openxmlformats.org/officeDocument/2006/relationships" xmlns:p="http://schemas.openxmlformats.org/presentationml/2006/main">
+  <p:cSld>
+    <p:spTree>
+      <p:nvGrpSpPr>
+        <p:cNvPr id="1" name=""/>
+        <p:cNvGrpSpPr/>
+        <p:nvPr/>
+      </p:nvGrpSpPr>
+      <p:grpSpPr>
+        <a:xfrm>
+          <a:off x="0" y="0"/>
+          <a:ext cx="0" cy="0"/>
+          <a:chOff x="0" y="0"/>
+          <a:chExt cx="0" cy="0"/>
+        </a:xfrm>
+      </p:grpSpPr>
+      <p:sp>
+        <p:nvSpPr>
+          <p:cNvPr id="2" name="Titel 1"/>
+          <p:cNvSpPr>
+            <a:spLocks noGrp="1"/>
+          </p:cNvSpPr>
+          <p:nvPr>
+            <p:ph type="title"/>
+          </p:nvPr>
+        </p:nvSpPr>
+        <p:spPr/>
+        <p:txBody>
+          <a:bodyPr/>
+          <a:lstStyle/>
+          <a:p>
+            <a:r>
+              <a:rPr lang="de-CH" dirty="0" smtClean="0"/>
               <a:t>Client</a:t>
             </a:r>
             <a:endParaRPr lang="de-CH" dirty="0"/>
@@ -5037,7 +5220,7 @@
 </p:sld>
 </file>
 
-<file path=ppt/slides/slide17.xml><?xml version="1.0" encoding="utf-8"?>
+<file path=ppt/slides/slide18.xml><?xml version="1.0" encoding="utf-8"?>
 <p:sld xmlns:a="http://schemas.openxmlformats.org/drawingml/2006/main" xmlns:r="http://schemas.openxmlformats.org/officeDocument/2006/relationships" xmlns:p="http://schemas.openxmlformats.org/presentationml/2006/main">
   <p:cSld>
     <p:spTree>
@@ -5130,10 +5313,17 @@
   <p:clrMapOvr>
     <a:masterClrMapping/>
   </p:clrMapOvr>
+  <p:timing>
+    <p:tnLst>
+      <p:par>
+        <p:cTn id="1" dur="indefinite" restart="never" nodeType="tmRoot"/>
+      </p:par>
+    </p:tnLst>
+  </p:timing>
 </p:sld>
 </file>
 
-<file path=ppt/slides/slide18.xml><?xml version="1.0" encoding="utf-8"?>
+<file path=ppt/slides/slide19.xml><?xml version="1.0" encoding="utf-8"?>
 <p:sld xmlns:a="http://schemas.openxmlformats.org/drawingml/2006/main" xmlns:r="http://schemas.openxmlformats.org/officeDocument/2006/relationships" xmlns:p="http://schemas.openxmlformats.org/presentationml/2006/main">
   <p:cSld>
     <p:spTree>
@@ -5279,10 +5469,129 @@
   <p:clrMapOvr>
     <a:masterClrMapping/>
   </p:clrMapOvr>
+  <p:timing>
+    <p:tnLst>
+      <p:par>
+        <p:cTn id="1" dur="indefinite" restart="never" nodeType="tmRoot"/>
+      </p:par>
+    </p:tnLst>
+  </p:timing>
 </p:sld>
 </file>
 
-<file path=ppt/slides/slide19.xml><?xml version="1.0" encoding="utf-8"?>
+<file path=ppt/slides/slide2.xml><?xml version="1.0" encoding="utf-8"?>
+<p:sld xmlns:a="http://schemas.openxmlformats.org/drawingml/2006/main" xmlns:r="http://schemas.openxmlformats.org/officeDocument/2006/relationships" xmlns:p="http://schemas.openxmlformats.org/presentationml/2006/main">
+  <p:cSld>
+    <p:spTree>
+      <p:nvGrpSpPr>
+        <p:cNvPr id="1" name=""/>
+        <p:cNvGrpSpPr/>
+        <p:nvPr/>
+      </p:nvGrpSpPr>
+      <p:grpSpPr>
+        <a:xfrm>
+          <a:off x="0" y="0"/>
+          <a:ext cx="0" cy="0"/>
+          <a:chOff x="0" y="0"/>
+          <a:chExt cx="0" cy="0"/>
+        </a:xfrm>
+      </p:grpSpPr>
+      <p:sp>
+        <p:nvSpPr>
+          <p:cNvPr id="2" name="Titel 1"/>
+          <p:cNvSpPr>
+            <a:spLocks noGrp="1"/>
+          </p:cNvSpPr>
+          <p:nvPr>
+            <p:ph type="title"/>
+          </p:nvPr>
+        </p:nvSpPr>
+        <p:spPr/>
+        <p:txBody>
+          <a:bodyPr/>
+          <a:lstStyle/>
+          <a:p>
+            <a:r>
+              <a:rPr lang="de-CH" dirty="0" smtClean="0"/>
+              <a:t>Inhalt</a:t>
+            </a:r>
+            <a:endParaRPr lang="de-CH" dirty="0"/>
+          </a:p>
+        </p:txBody>
+      </p:sp>
+      <p:sp>
+        <p:nvSpPr>
+          <p:cNvPr id="3" name="Inhaltsplatzhalter 2"/>
+          <p:cNvSpPr>
+            <a:spLocks noGrp="1"/>
+          </p:cNvSpPr>
+          <p:nvPr>
+            <p:ph idx="1"/>
+          </p:nvPr>
+        </p:nvSpPr>
+        <p:spPr/>
+        <p:txBody>
+          <a:bodyPr>
+            <a:normAutofit lnSpcReduction="10000"/>
+          </a:bodyPr>
+          <a:lstStyle/>
+          <a:p>
+            <a:r>
+              <a:rPr lang="de-CH" dirty="0" smtClean="0"/>
+              <a:t>Änderungen Datenstruktur</a:t>
+            </a:r>
+          </a:p>
+          <a:p>
+            <a:endParaRPr lang="de-CH" dirty="0"/>
+          </a:p>
+          <a:p>
+            <a:r>
+              <a:rPr lang="de-CH" dirty="0" smtClean="0"/>
+              <a:t>Views / Prozeduren</a:t>
+            </a:r>
+          </a:p>
+          <a:p>
+            <a:endParaRPr lang="de-CH" dirty="0" smtClean="0"/>
+          </a:p>
+          <a:p>
+            <a:r>
+              <a:rPr lang="de-CH" dirty="0" smtClean="0"/>
+              <a:t>Client</a:t>
+            </a:r>
+          </a:p>
+          <a:p>
+            <a:endParaRPr lang="de-CH" dirty="0" smtClean="0"/>
+          </a:p>
+          <a:p>
+            <a:r>
+              <a:rPr lang="de-CH" dirty="0" smtClean="0"/>
+              <a:t>Rückblick</a:t>
+            </a:r>
+            <a:endParaRPr lang="de-CH" dirty="0"/>
+          </a:p>
+        </p:txBody>
+      </p:sp>
+    </p:spTree>
+    <p:extLst>
+      <p:ext uri="{BB962C8B-B14F-4D97-AF65-F5344CB8AC3E}">
+        <p14:creationId xmlns:p14="http://schemas.microsoft.com/office/powerpoint/2010/main" val="319436670"/>
+      </p:ext>
+    </p:extLst>
+  </p:cSld>
+  <p:clrMapOvr>
+    <a:masterClrMapping/>
+  </p:clrMapOvr>
+  <p:timing>
+    <p:tnLst>
+      <p:par>
+        <p:cTn id="1" dur="indefinite" restart="never" nodeType="tmRoot"/>
+      </p:par>
+    </p:tnLst>
+  </p:timing>
+</p:sld>
+</file>
+
+<file path=ppt/slides/slide20.xml><?xml version="1.0" encoding="utf-8"?>
 <p:sld xmlns:a="http://schemas.openxmlformats.org/drawingml/2006/main" xmlns:r="http://schemas.openxmlformats.org/officeDocument/2006/relationships" xmlns:p="http://schemas.openxmlformats.org/presentationml/2006/main">
   <p:cSld>
     <p:spTree>
@@ -5424,116 +5733,17 @@
   <p:clrMapOvr>
     <a:masterClrMapping/>
   </p:clrMapOvr>
+  <p:timing>
+    <p:tnLst>
+      <p:par>
+        <p:cTn id="1" dur="indefinite" restart="never" nodeType="tmRoot"/>
+      </p:par>
+    </p:tnLst>
+  </p:timing>
 </p:sld>
 </file>
 
-<file path=ppt/slides/slide2.xml><?xml version="1.0" encoding="utf-8"?>
-<p:sld xmlns:a="http://schemas.openxmlformats.org/drawingml/2006/main" xmlns:r="http://schemas.openxmlformats.org/officeDocument/2006/relationships" xmlns:p="http://schemas.openxmlformats.org/presentationml/2006/main">
-  <p:cSld>
-    <p:spTree>
-      <p:nvGrpSpPr>
-        <p:cNvPr id="1" name=""/>
-        <p:cNvGrpSpPr/>
-        <p:nvPr/>
-      </p:nvGrpSpPr>
-      <p:grpSpPr>
-        <a:xfrm>
-          <a:off x="0" y="0"/>
-          <a:ext cx="0" cy="0"/>
-          <a:chOff x="0" y="0"/>
-          <a:chExt cx="0" cy="0"/>
-        </a:xfrm>
-      </p:grpSpPr>
-      <p:sp>
-        <p:nvSpPr>
-          <p:cNvPr id="2" name="Titel 1"/>
-          <p:cNvSpPr>
-            <a:spLocks noGrp="1"/>
-          </p:cNvSpPr>
-          <p:nvPr>
-            <p:ph type="title"/>
-          </p:nvPr>
-        </p:nvSpPr>
-        <p:spPr/>
-        <p:txBody>
-          <a:bodyPr/>
-          <a:lstStyle/>
-          <a:p>
-            <a:r>
-              <a:rPr lang="de-CH" dirty="0" smtClean="0"/>
-              <a:t>Inhalt</a:t>
-            </a:r>
-            <a:endParaRPr lang="de-CH" dirty="0"/>
-          </a:p>
-        </p:txBody>
-      </p:sp>
-      <p:sp>
-        <p:nvSpPr>
-          <p:cNvPr id="3" name="Inhaltsplatzhalter 2"/>
-          <p:cNvSpPr>
-            <a:spLocks noGrp="1"/>
-          </p:cNvSpPr>
-          <p:nvPr>
-            <p:ph idx="1"/>
-          </p:nvPr>
-        </p:nvSpPr>
-        <p:spPr/>
-        <p:txBody>
-          <a:bodyPr>
-            <a:normAutofit lnSpcReduction="10000"/>
-          </a:bodyPr>
-          <a:lstStyle/>
-          <a:p>
-            <a:r>
-              <a:rPr lang="de-CH" dirty="0" smtClean="0"/>
-              <a:t>Änderungen Datenstruktur</a:t>
-            </a:r>
-          </a:p>
-          <a:p>
-            <a:endParaRPr lang="de-CH" dirty="0"/>
-          </a:p>
-          <a:p>
-            <a:r>
-              <a:rPr lang="de-CH" dirty="0" smtClean="0"/>
-              <a:t>Views / Prozeduren</a:t>
-            </a:r>
-            <a:endParaRPr lang="de-CH" dirty="0" smtClean="0"/>
-          </a:p>
-          <a:p>
-            <a:endParaRPr lang="de-CH" dirty="0" smtClean="0"/>
-          </a:p>
-          <a:p>
-            <a:r>
-              <a:rPr lang="de-CH" dirty="0" smtClean="0"/>
-              <a:t>Client</a:t>
-            </a:r>
-          </a:p>
-          <a:p>
-            <a:endParaRPr lang="de-CH" dirty="0" smtClean="0"/>
-          </a:p>
-          <a:p>
-            <a:r>
-              <a:rPr lang="de-CH" dirty="0" smtClean="0"/>
-              <a:t>Rückblick</a:t>
-            </a:r>
-            <a:endParaRPr lang="de-CH" dirty="0"/>
-          </a:p>
-        </p:txBody>
-      </p:sp>
-    </p:spTree>
-    <p:extLst>
-      <p:ext uri="{BB962C8B-B14F-4D97-AF65-F5344CB8AC3E}">
-        <p14:creationId xmlns:p14="http://schemas.microsoft.com/office/powerpoint/2010/main" val="319436670"/>
-      </p:ext>
-    </p:extLst>
-  </p:cSld>
-  <p:clrMapOvr>
-    <a:masterClrMapping/>
-  </p:clrMapOvr>
-</p:sld>
-</file>
-
-<file path=ppt/slides/slide20.xml><?xml version="1.0" encoding="utf-8"?>
+<file path=ppt/slides/slide21.xml><?xml version="1.0" encoding="utf-8"?>
 <p:sld xmlns:a="http://schemas.openxmlformats.org/drawingml/2006/main" xmlns:r="http://schemas.openxmlformats.org/officeDocument/2006/relationships" xmlns:p="http://schemas.openxmlformats.org/presentationml/2006/main">
   <p:cSld>
     <p:spTree>
@@ -5675,10 +5885,17 @@
   <p:clrMapOvr>
     <a:masterClrMapping/>
   </p:clrMapOvr>
+  <p:timing>
+    <p:tnLst>
+      <p:par>
+        <p:cTn id="1" dur="indefinite" restart="never" nodeType="tmRoot"/>
+      </p:par>
+    </p:tnLst>
+  </p:timing>
 </p:sld>
 </file>
 
-<file path=ppt/slides/slide21.xml><?xml version="1.0" encoding="utf-8"?>
+<file path=ppt/slides/slide22.xml><?xml version="1.0" encoding="utf-8"?>
 <p:sld xmlns:a="http://schemas.openxmlformats.org/drawingml/2006/main" xmlns:r="http://schemas.openxmlformats.org/officeDocument/2006/relationships" xmlns:p="http://schemas.openxmlformats.org/presentationml/2006/main">
   <p:cSld>
     <p:spTree>
@@ -5783,7 +6000,7 @@
 </p:sld>
 </file>
 
-<file path=ppt/slides/slide22.xml><?xml version="1.0" encoding="utf-8"?>
+<file path=ppt/slides/slide23.xml><?xml version="1.0" encoding="utf-8"?>
 <p:sld xmlns:a="http://schemas.openxmlformats.org/drawingml/2006/main" xmlns:r="http://schemas.openxmlformats.org/officeDocument/2006/relationships" xmlns:p="http://schemas.openxmlformats.org/presentationml/2006/main">
   <p:cSld>
     <p:spTree>
@@ -5886,111 +6103,6 @@
 </p:sld>
 </file>
 
-<file path=ppt/slides/slide23.xml><?xml version="1.0" encoding="utf-8"?>
-<p:sld xmlns:a="http://schemas.openxmlformats.org/drawingml/2006/main" xmlns:r="http://schemas.openxmlformats.org/officeDocument/2006/relationships" xmlns:p="http://schemas.openxmlformats.org/presentationml/2006/main">
-  <p:cSld>
-    <p:spTree>
-      <p:nvGrpSpPr>
-        <p:cNvPr id="1" name=""/>
-        <p:cNvGrpSpPr/>
-        <p:nvPr/>
-      </p:nvGrpSpPr>
-      <p:grpSpPr>
-        <a:xfrm>
-          <a:off x="0" y="0"/>
-          <a:ext cx="0" cy="0"/>
-          <a:chOff x="0" y="0"/>
-          <a:chExt cx="0" cy="0"/>
-        </a:xfrm>
-      </p:grpSpPr>
-      <p:sp>
-        <p:nvSpPr>
-          <p:cNvPr id="2" name="Titel 1"/>
-          <p:cNvSpPr>
-            <a:spLocks noGrp="1"/>
-          </p:cNvSpPr>
-          <p:nvPr>
-            <p:ph type="title"/>
-          </p:nvPr>
-        </p:nvSpPr>
-        <p:spPr/>
-        <p:txBody>
-          <a:bodyPr/>
-          <a:lstStyle/>
-          <a:p>
-            <a:r>
-              <a:rPr lang="de-CH" dirty="0" smtClean="0"/>
-              <a:t>Client</a:t>
-            </a:r>
-            <a:endParaRPr lang="de-CH" dirty="0"/>
-          </a:p>
-        </p:txBody>
-      </p:sp>
-      <p:sp>
-        <p:nvSpPr>
-          <p:cNvPr id="3" name="Inhaltsplatzhalter 2"/>
-          <p:cNvSpPr>
-            <a:spLocks noGrp="1"/>
-          </p:cNvSpPr>
-          <p:nvPr>
-            <p:ph idx="1"/>
-          </p:nvPr>
-        </p:nvSpPr>
-        <p:spPr/>
-        <p:txBody>
-          <a:bodyPr/>
-          <a:lstStyle/>
-          <a:p>
-            <a:r>
-              <a:rPr lang="de-CH" dirty="0" smtClean="0"/>
-              <a:t>Fakturieren und Rechnung anzeigen</a:t>
-            </a:r>
-            <a:endParaRPr lang="de-CH" dirty="0"/>
-          </a:p>
-          <a:p>
-            <a:endParaRPr lang="de-CH" dirty="0"/>
-          </a:p>
-          <a:p>
-            <a:pPr lvl="1"/>
-            <a:r>
-              <a:rPr lang="de-CH" dirty="0" smtClean="0"/>
-              <a:t>Fakturieren nach Auswahl Kunde &amp; POD</a:t>
-            </a:r>
-          </a:p>
-          <a:p>
-            <a:pPr lvl="1"/>
-            <a:endParaRPr lang="de-CH" dirty="0"/>
-          </a:p>
-          <a:p>
-            <a:pPr lvl="1"/>
-            <a:r>
-              <a:rPr lang="de-CH" dirty="0" smtClean="0"/>
-              <a:t>Liste aller Rechnungen</a:t>
-            </a:r>
-            <a:endParaRPr lang="de-CH" dirty="0"/>
-          </a:p>
-        </p:txBody>
-      </p:sp>
-    </p:spTree>
-    <p:extLst>
-      <p:ext uri="{BB962C8B-B14F-4D97-AF65-F5344CB8AC3E}">
-        <p14:creationId xmlns:p14="http://schemas.microsoft.com/office/powerpoint/2010/main" val="858632076"/>
-      </p:ext>
-    </p:extLst>
-  </p:cSld>
-  <p:clrMapOvr>
-    <a:masterClrMapping/>
-  </p:clrMapOvr>
-  <p:timing>
-    <p:tnLst>
-      <p:par>
-        <p:cTn id="1" dur="indefinite" restart="never" nodeType="tmRoot"/>
-      </p:par>
-    </p:tnLst>
-  </p:timing>
-</p:sld>
-</file>
-
 <file path=ppt/slides/slide24.xml><?xml version="1.0" encoding="utf-8"?>
 <p:sld xmlns:a="http://schemas.openxmlformats.org/drawingml/2006/main" xmlns:r="http://schemas.openxmlformats.org/officeDocument/2006/relationships" xmlns:p="http://schemas.openxmlformats.org/presentationml/2006/main">
   <p:cSld>
@@ -6033,7 +6145,7 @@
       </p:sp>
       <p:sp>
         <p:nvSpPr>
-          <p:cNvPr id="4" name="Inhaltsplatzhalter 3"/>
+          <p:cNvPr id="3" name="Inhaltsplatzhalter 2"/>
           <p:cNvSpPr>
             <a:spLocks noGrp="1"/>
           </p:cNvSpPr>
@@ -6046,136 +6158,40 @@
           <a:bodyPr/>
           <a:lstStyle/>
           <a:p>
-            <a:endParaRPr lang="de-CH"/>
-          </a:p>
-        </p:txBody>
-      </p:sp>
-      <p:pic>
-        <p:nvPicPr>
-          <p:cNvPr id="3" name="Grafik 2"/>
-          <p:cNvPicPr>
-            <a:picLocks noChangeAspect="1"/>
-          </p:cNvPicPr>
-          <p:nvPr/>
-        </p:nvPicPr>
-        <p:blipFill>
-          <a:blip r:embed="rId2"/>
-          <a:stretch>
-            <a:fillRect/>
-          </a:stretch>
-        </p:blipFill>
-        <p:spPr>
-          <a:xfrm>
-            <a:off x="848778" y="92074"/>
-            <a:ext cx="9608483" cy="6863202"/>
-          </a:xfrm>
-          <a:prstGeom prst="rect">
-            <a:avLst/>
-          </a:prstGeom>
-        </p:spPr>
-      </p:pic>
-      <p:sp>
-        <p:nvSpPr>
-          <p:cNvPr id="7" name="Rechteck 6"/>
-          <p:cNvSpPr/>
-          <p:nvPr/>
-        </p:nvSpPr>
-        <p:spPr>
-          <a:xfrm>
-            <a:off x="3515888" y="704079"/>
-            <a:ext cx="1573308" cy="1268506"/>
-          </a:xfrm>
-          <a:prstGeom prst="rect">
-            <a:avLst/>
-          </a:prstGeom>
-          <a:solidFill>
-            <a:srgbClr val="353535">
-              <a:alpha val="30196"/>
-            </a:srgbClr>
-          </a:solidFill>
-        </p:spPr>
-        <p:style>
-          <a:lnRef idx="2">
-            <a:schemeClr val="accent1">
-              <a:shade val="50000"/>
-            </a:schemeClr>
-          </a:lnRef>
-          <a:fillRef idx="1">
-            <a:schemeClr val="accent1"/>
-          </a:fillRef>
-          <a:effectRef idx="0">
-            <a:schemeClr val="accent1"/>
-          </a:effectRef>
-          <a:fontRef idx="minor">
-            <a:schemeClr val="lt1"/>
-          </a:fontRef>
-        </p:style>
-        <p:txBody>
-          <a:bodyPr rtlCol="0" anchor="ctr"/>
-          <a:lstStyle/>
-          <a:p>
-            <a:pPr algn="ctr"/>
-            <a:endParaRPr lang="de-CH" sz="2800" b="1" dirty="0">
-              <a:solidFill>
-                <a:sysClr val="windowText" lastClr="000000"/>
-              </a:solidFill>
-            </a:endParaRPr>
-          </a:p>
-        </p:txBody>
-      </p:sp>
-      <p:sp>
-        <p:nvSpPr>
-          <p:cNvPr id="8" name="Rechteck 7"/>
-          <p:cNvSpPr/>
-          <p:nvPr/>
-        </p:nvSpPr>
-        <p:spPr>
-          <a:xfrm>
-            <a:off x="3633636" y="3445033"/>
-            <a:ext cx="6651812" cy="1825557"/>
-          </a:xfrm>
-          <a:prstGeom prst="rect">
-            <a:avLst/>
-          </a:prstGeom>
-          <a:solidFill>
-            <a:srgbClr val="353535">
-              <a:alpha val="30196"/>
-            </a:srgbClr>
-          </a:solidFill>
-        </p:spPr>
-        <p:style>
-          <a:lnRef idx="2">
-            <a:schemeClr val="accent1">
-              <a:shade val="50000"/>
-            </a:schemeClr>
-          </a:lnRef>
-          <a:fillRef idx="1">
-            <a:schemeClr val="accent1"/>
-          </a:fillRef>
-          <a:effectRef idx="0">
-            <a:schemeClr val="accent1"/>
-          </a:effectRef>
-          <a:fontRef idx="minor">
-            <a:schemeClr val="lt1"/>
-          </a:fontRef>
-        </p:style>
-        <p:txBody>
-          <a:bodyPr rtlCol="0" anchor="ctr"/>
-          <a:lstStyle/>
-          <a:p>
-            <a:pPr algn="ctr"/>
-            <a:endParaRPr lang="de-CH" sz="2800" b="1" dirty="0">
-              <a:solidFill>
-                <a:sysClr val="windowText" lastClr="000000"/>
-              </a:solidFill>
-            </a:endParaRPr>
+            <a:r>
+              <a:rPr lang="de-CH" dirty="0" smtClean="0"/>
+              <a:t>Fakturieren und Rechnung anzeigen</a:t>
+            </a:r>
+            <a:endParaRPr lang="de-CH" dirty="0"/>
+          </a:p>
+          <a:p>
+            <a:endParaRPr lang="de-CH" dirty="0"/>
+          </a:p>
+          <a:p>
+            <a:pPr lvl="1"/>
+            <a:r>
+              <a:rPr lang="de-CH" dirty="0" smtClean="0"/>
+              <a:t>Fakturieren nach Auswahl Kunde &amp; POD</a:t>
+            </a:r>
+          </a:p>
+          <a:p>
+            <a:pPr lvl="1"/>
+            <a:endParaRPr lang="de-CH" dirty="0"/>
+          </a:p>
+          <a:p>
+            <a:pPr lvl="1"/>
+            <a:r>
+              <a:rPr lang="de-CH" dirty="0" smtClean="0"/>
+              <a:t>Liste aller Rechnungen</a:t>
+            </a:r>
+            <a:endParaRPr lang="de-CH" dirty="0"/>
           </a:p>
         </p:txBody>
       </p:sp>
     </p:spTree>
     <p:extLst>
       <p:ext uri="{BB962C8B-B14F-4D97-AF65-F5344CB8AC3E}">
-        <p14:creationId xmlns:p14="http://schemas.microsoft.com/office/powerpoint/2010/main" val="3556676832"/>
+        <p14:creationId xmlns:p14="http://schemas.microsoft.com/office/powerpoint/2010/main" val="858632076"/>
       </p:ext>
     </p:extLst>
   </p:cSld>
@@ -6247,6 +6263,207 @@
           <a:bodyPr/>
           <a:lstStyle/>
           <a:p>
+            <a:endParaRPr lang="de-CH"/>
+          </a:p>
+        </p:txBody>
+      </p:sp>
+      <p:pic>
+        <p:nvPicPr>
+          <p:cNvPr id="3" name="Grafik 2"/>
+          <p:cNvPicPr>
+            <a:picLocks noChangeAspect="1"/>
+          </p:cNvPicPr>
+          <p:nvPr/>
+        </p:nvPicPr>
+        <p:blipFill>
+          <a:blip r:embed="rId2"/>
+          <a:stretch>
+            <a:fillRect/>
+          </a:stretch>
+        </p:blipFill>
+        <p:spPr>
+          <a:xfrm>
+            <a:off x="848778" y="92074"/>
+            <a:ext cx="9608483" cy="6863202"/>
+          </a:xfrm>
+          <a:prstGeom prst="rect">
+            <a:avLst/>
+          </a:prstGeom>
+        </p:spPr>
+      </p:pic>
+      <p:sp>
+        <p:nvSpPr>
+          <p:cNvPr id="7" name="Rechteck 6"/>
+          <p:cNvSpPr/>
+          <p:nvPr/>
+        </p:nvSpPr>
+        <p:spPr>
+          <a:xfrm>
+            <a:off x="3515888" y="704079"/>
+            <a:ext cx="1573308" cy="1268506"/>
+          </a:xfrm>
+          <a:prstGeom prst="rect">
+            <a:avLst/>
+          </a:prstGeom>
+          <a:solidFill>
+            <a:srgbClr val="353535">
+              <a:alpha val="30196"/>
+            </a:srgbClr>
+          </a:solidFill>
+        </p:spPr>
+        <p:style>
+          <a:lnRef idx="2">
+            <a:schemeClr val="accent1">
+              <a:shade val="50000"/>
+            </a:schemeClr>
+          </a:lnRef>
+          <a:fillRef idx="1">
+            <a:schemeClr val="accent1"/>
+          </a:fillRef>
+          <a:effectRef idx="0">
+            <a:schemeClr val="accent1"/>
+          </a:effectRef>
+          <a:fontRef idx="minor">
+            <a:schemeClr val="lt1"/>
+          </a:fontRef>
+        </p:style>
+        <p:txBody>
+          <a:bodyPr rtlCol="0" anchor="ctr"/>
+          <a:lstStyle/>
+          <a:p>
+            <a:pPr algn="ctr"/>
+            <a:endParaRPr lang="de-CH" sz="2800" b="1" dirty="0">
+              <a:solidFill>
+                <a:sysClr val="windowText" lastClr="000000"/>
+              </a:solidFill>
+            </a:endParaRPr>
+          </a:p>
+        </p:txBody>
+      </p:sp>
+      <p:sp>
+        <p:nvSpPr>
+          <p:cNvPr id="8" name="Rechteck 7"/>
+          <p:cNvSpPr/>
+          <p:nvPr/>
+        </p:nvSpPr>
+        <p:spPr>
+          <a:xfrm>
+            <a:off x="3633636" y="3445033"/>
+            <a:ext cx="6651812" cy="1825557"/>
+          </a:xfrm>
+          <a:prstGeom prst="rect">
+            <a:avLst/>
+          </a:prstGeom>
+          <a:solidFill>
+            <a:srgbClr val="353535">
+              <a:alpha val="30196"/>
+            </a:srgbClr>
+          </a:solidFill>
+        </p:spPr>
+        <p:style>
+          <a:lnRef idx="2">
+            <a:schemeClr val="accent1">
+              <a:shade val="50000"/>
+            </a:schemeClr>
+          </a:lnRef>
+          <a:fillRef idx="1">
+            <a:schemeClr val="accent1"/>
+          </a:fillRef>
+          <a:effectRef idx="0">
+            <a:schemeClr val="accent1"/>
+          </a:effectRef>
+          <a:fontRef idx="minor">
+            <a:schemeClr val="lt1"/>
+          </a:fontRef>
+        </p:style>
+        <p:txBody>
+          <a:bodyPr rtlCol="0" anchor="ctr"/>
+          <a:lstStyle/>
+          <a:p>
+            <a:pPr algn="ctr"/>
+            <a:endParaRPr lang="de-CH" sz="2800" b="1" dirty="0">
+              <a:solidFill>
+                <a:sysClr val="windowText" lastClr="000000"/>
+              </a:solidFill>
+            </a:endParaRPr>
+          </a:p>
+        </p:txBody>
+      </p:sp>
+    </p:spTree>
+    <p:extLst>
+      <p:ext uri="{BB962C8B-B14F-4D97-AF65-F5344CB8AC3E}">
+        <p14:creationId xmlns:p14="http://schemas.microsoft.com/office/powerpoint/2010/main" val="3556676832"/>
+      </p:ext>
+    </p:extLst>
+  </p:cSld>
+  <p:clrMapOvr>
+    <a:masterClrMapping/>
+  </p:clrMapOvr>
+  <p:timing>
+    <p:tnLst>
+      <p:par>
+        <p:cTn id="1" dur="indefinite" restart="never" nodeType="tmRoot"/>
+      </p:par>
+    </p:tnLst>
+  </p:timing>
+</p:sld>
+</file>
+
+<file path=ppt/slides/slide26.xml><?xml version="1.0" encoding="utf-8"?>
+<p:sld xmlns:a="http://schemas.openxmlformats.org/drawingml/2006/main" xmlns:r="http://schemas.openxmlformats.org/officeDocument/2006/relationships" xmlns:p="http://schemas.openxmlformats.org/presentationml/2006/main">
+  <p:cSld>
+    <p:spTree>
+      <p:nvGrpSpPr>
+        <p:cNvPr id="1" name=""/>
+        <p:cNvGrpSpPr/>
+        <p:nvPr/>
+      </p:nvGrpSpPr>
+      <p:grpSpPr>
+        <a:xfrm>
+          <a:off x="0" y="0"/>
+          <a:ext cx="0" cy="0"/>
+          <a:chOff x="0" y="0"/>
+          <a:chExt cx="0" cy="0"/>
+        </a:xfrm>
+      </p:grpSpPr>
+      <p:sp>
+        <p:nvSpPr>
+          <p:cNvPr id="2" name="Titel 1"/>
+          <p:cNvSpPr>
+            <a:spLocks noGrp="1"/>
+          </p:cNvSpPr>
+          <p:nvPr>
+            <p:ph type="title"/>
+          </p:nvPr>
+        </p:nvSpPr>
+        <p:spPr/>
+        <p:txBody>
+          <a:bodyPr/>
+          <a:lstStyle/>
+          <a:p>
+            <a:r>
+              <a:rPr lang="de-CH" dirty="0" smtClean="0"/>
+              <a:t>Client</a:t>
+            </a:r>
+            <a:endParaRPr lang="de-CH" dirty="0"/>
+          </a:p>
+        </p:txBody>
+      </p:sp>
+      <p:sp>
+        <p:nvSpPr>
+          <p:cNvPr id="4" name="Inhaltsplatzhalter 3"/>
+          <p:cNvSpPr>
+            <a:spLocks noGrp="1"/>
+          </p:cNvSpPr>
+          <p:nvPr>
+            <p:ph idx="1"/>
+          </p:nvPr>
+        </p:nvSpPr>
+        <p:spPr/>
+        <p:txBody>
+          <a:bodyPr/>
+          <a:lstStyle/>
+          <a:p>
             <a:endParaRPr lang="de-CH" dirty="0"/>
           </a:p>
         </p:txBody>
@@ -6343,7 +6560,7 @@
 </p:sld>
 </file>
 
-<file path=ppt/slides/slide26.xml><?xml version="1.0" encoding="utf-8"?>
+<file path=ppt/slides/slide27.xml><?xml version="1.0" encoding="utf-8"?>
 <p:sld xmlns:a="http://schemas.openxmlformats.org/drawingml/2006/main" xmlns:r="http://schemas.openxmlformats.org/officeDocument/2006/relationships" xmlns:p="http://schemas.openxmlformats.org/presentationml/2006/main">
   <p:cSld>
     <p:spTree>
@@ -6446,7 +6663,7 @@
 </p:sld>
 </file>
 
-<file path=ppt/slides/slide27.xml><?xml version="1.0" encoding="utf-8"?>
+<file path=ppt/slides/slide28.xml><?xml version="1.0" encoding="utf-8"?>
 <p:sld xmlns:a="http://schemas.openxmlformats.org/drawingml/2006/main" xmlns:r="http://schemas.openxmlformats.org/officeDocument/2006/relationships" xmlns:p="http://schemas.openxmlformats.org/presentationml/2006/main">
   <p:cSld>
     <p:spTree>
@@ -6579,6 +6796,13 @@
   <p:clrMapOvr>
     <a:masterClrMapping/>
   </p:clrMapOvr>
+  <p:timing>
+    <p:tnLst>
+      <p:par>
+        <p:cTn id="1" dur="indefinite" restart="never" nodeType="tmRoot"/>
+      </p:par>
+    </p:tnLst>
+  </p:timing>
 </p:sld>
 </file>
 
@@ -6616,11 +6840,7 @@
           <a:p>
             <a:r>
               <a:rPr lang="de-CH" dirty="0" smtClean="0"/>
-              <a:t>Änderungen </a:t>
-            </a:r>
-            <a:r>
-              <a:rPr lang="de-CH" dirty="0" smtClean="0"/>
-              <a:t>– Allgemein</a:t>
+              <a:t>Änderungen – Allgemein</a:t>
             </a:r>
             <a:endParaRPr lang="de-CH" dirty="0"/>
           </a:p>
@@ -6714,11 +6934,7 @@
           <a:p>
             <a:r>
               <a:rPr lang="de-CH" dirty="0" smtClean="0"/>
-              <a:t>Änderungen </a:t>
-            </a:r>
-            <a:r>
-              <a:rPr lang="de-CH" dirty="0" smtClean="0"/>
-              <a:t>– Geräte erfassen</a:t>
+              <a:t>Änderungen – Geräte erfassen</a:t>
             </a:r>
             <a:endParaRPr lang="de-CH" dirty="0"/>
           </a:p>
@@ -6789,14 +7005,22 @@
             </a:r>
             <a:r>
               <a:rPr lang="de-CH" dirty="0" smtClean="0"/>
-              <a:t>, nicht in Interface</a:t>
+              <a:t>, nicht in </a:t>
+            </a:r>
+            <a:r>
+              <a:rPr lang="de-CH" dirty="0" smtClean="0"/>
+              <a:t>Interface</a:t>
             </a:r>
           </a:p>
           <a:p>
             <a:pPr lvl="1"/>
             <a:r>
               <a:rPr lang="de-CH" dirty="0" smtClean="0"/>
-              <a:t>Keine modularen Switches</a:t>
+              <a:t>Keine </a:t>
+            </a:r>
+            <a:r>
+              <a:rPr lang="de-CH" dirty="0" smtClean="0"/>
+              <a:t>modularen Switches</a:t>
             </a:r>
           </a:p>
         </p:txBody>
@@ -6855,11 +7079,7 @@
           <a:p>
             <a:r>
               <a:rPr lang="de-CH" dirty="0" smtClean="0"/>
-              <a:t>Änderungen </a:t>
-            </a:r>
-            <a:r>
-              <a:rPr lang="de-CH" dirty="0" smtClean="0"/>
-              <a:t>- Fakturierung</a:t>
+              <a:t>Änderungen - Fakturierung</a:t>
             </a:r>
             <a:endParaRPr lang="de-CH" dirty="0"/>
           </a:p>
@@ -6986,11 +7206,7 @@
           <a:p>
             <a:r>
               <a:rPr lang="de-CH" dirty="0" smtClean="0"/>
-              <a:t>Änderungen </a:t>
-            </a:r>
-            <a:r>
-              <a:rPr lang="de-CH" dirty="0" smtClean="0"/>
-              <a:t>- Fakturierung</a:t>
+              <a:t>Änderungen - Fakturierung</a:t>
             </a:r>
             <a:endParaRPr lang="de-CH" dirty="0"/>
           </a:p>
@@ -7111,11 +7327,7 @@
           <a:p>
             <a:r>
               <a:rPr lang="de-CH" dirty="0" smtClean="0"/>
-              <a:t>Änderungen </a:t>
-            </a:r>
-            <a:r>
-              <a:rPr lang="de-CH" dirty="0" smtClean="0"/>
-              <a:t>- Fakturierung</a:t>
+              <a:t>Änderungen - Fakturierung</a:t>
             </a:r>
             <a:endParaRPr lang="de-CH" dirty="0"/>
           </a:p>
@@ -7239,91 +7451,71 @@
           <a:p>
             <a:r>
               <a:rPr lang="de-CH" dirty="0" smtClean="0"/>
-              <a:t>Views – </a:t>
+              <a:t>Änderungen - </a:t>
+            </a:r>
+            <a:r>
+              <a:rPr lang="de-CH" dirty="0" smtClean="0"/>
+              <a:t>Berechtigungen</a:t>
+            </a:r>
+            <a:endParaRPr lang="de-CH" dirty="0"/>
+          </a:p>
+        </p:txBody>
+      </p:sp>
+      <p:sp>
+        <p:nvSpPr>
+          <p:cNvPr id="3" name="Inhaltsplatzhalter 2"/>
+          <p:cNvSpPr>
+            <a:spLocks noGrp="1"/>
+          </p:cNvSpPr>
+          <p:nvPr>
+            <p:ph idx="1"/>
+          </p:nvPr>
+        </p:nvSpPr>
+        <p:spPr/>
+        <p:txBody>
+          <a:bodyPr/>
+          <a:lstStyle/>
+          <a:p>
+            <a:endParaRPr lang="de-CH" dirty="0" smtClean="0"/>
+          </a:p>
+          <a:p>
+            <a:r>
+              <a:rPr lang="de-CH" dirty="0" smtClean="0"/>
+              <a:t>Berechtigungskonzept nach Anforderung</a:t>
+            </a:r>
+          </a:p>
+          <a:p>
+            <a:endParaRPr lang="de-CH" dirty="0"/>
+          </a:p>
+          <a:p>
+            <a:pPr lvl="1"/>
+            <a:r>
+              <a:rPr lang="de-CH" dirty="0" smtClean="0"/>
+              <a:t>Keine Möglichkeit für Berechtigung</a:t>
+            </a:r>
+            <a:br>
+              <a:rPr lang="de-CH" dirty="0" smtClean="0"/>
+            </a:br>
+            <a:r>
+              <a:rPr lang="de-CH" dirty="0" smtClean="0"/>
+              <a:t>GRANT ALL / DENY [</a:t>
             </a:r>
             <a:r>
               <a:rPr lang="de-CH" dirty="0" err="1" smtClean="0"/>
-              <a:t>V_UsagePerLocation</a:t>
-            </a:r>
-            <a:endParaRPr lang="de-CH" dirty="0"/>
-          </a:p>
-        </p:txBody>
-      </p:sp>
-      <p:sp>
-        <p:nvSpPr>
-          <p:cNvPr id="3" name="Inhaltsplatzhalter 2"/>
-          <p:cNvSpPr>
-            <a:spLocks noGrp="1"/>
-          </p:cNvSpPr>
-          <p:nvPr>
-            <p:ph idx="1"/>
-          </p:nvPr>
-        </p:nvSpPr>
-        <p:spPr/>
-        <p:txBody>
-          <a:bodyPr>
-            <a:normAutofit lnSpcReduction="10000"/>
-          </a:bodyPr>
-          <a:lstStyle/>
-          <a:p>
-            <a:r>
-              <a:rPr lang="de-CH" dirty="0" smtClean="0"/>
-              <a:t>Ermittlung freie Interfaces via Tabelle </a:t>
-            </a:r>
-            <a:r>
-              <a:rPr lang="de-CH" dirty="0" err="1"/>
-              <a:t>RelNetworkInterfaces</a:t>
+              <a:t>tabelle</a:t>
+            </a:r>
+            <a:r>
+              <a:rPr lang="de-CH" dirty="0" smtClean="0"/>
+              <a:t>]</a:t>
             </a:r>
             <a:endParaRPr lang="de-CH" dirty="0" smtClean="0"/>
-          </a:p>
-          <a:p>
-            <a:endParaRPr lang="de-CH" dirty="0"/>
-          </a:p>
-          <a:p>
-            <a:r>
-              <a:rPr lang="de-CH" dirty="0" smtClean="0"/>
-              <a:t>Gruppieren nach Gerätetyp und Location</a:t>
-            </a:r>
-          </a:p>
-          <a:p>
-            <a:endParaRPr lang="de-CH" dirty="0"/>
-          </a:p>
-          <a:p>
-            <a:r>
-              <a:rPr lang="de-CH" dirty="0" err="1" smtClean="0"/>
-              <a:t>V_UsagePerPod</a:t>
-            </a:r>
-            <a:endParaRPr lang="de-CH" dirty="0"/>
-          </a:p>
-          <a:p>
-            <a:pPr lvl="1"/>
-            <a:r>
-              <a:rPr lang="de-CH" dirty="0" smtClean="0"/>
-              <a:t>Grundlage: </a:t>
-            </a:r>
-            <a:r>
-              <a:rPr lang="de-CH" dirty="0" err="1" smtClean="0"/>
-              <a:t>V_UsagePerLocation</a:t>
-            </a:r>
-            <a:endParaRPr lang="de-CH" dirty="0" smtClean="0"/>
-          </a:p>
-          <a:p>
-            <a:pPr lvl="1"/>
-            <a:r>
-              <a:rPr lang="de-CH" dirty="0" smtClean="0"/>
-              <a:t>Gruppierung nach POD</a:t>
-            </a:r>
-          </a:p>
-          <a:p>
-            <a:pPr lvl="1"/>
-            <a:endParaRPr lang="de-CH" dirty="0"/>
           </a:p>
         </p:txBody>
       </p:sp>
     </p:spTree>
     <p:extLst>
       <p:ext uri="{BB962C8B-B14F-4D97-AF65-F5344CB8AC3E}">
-        <p14:creationId xmlns:p14="http://schemas.microsoft.com/office/powerpoint/2010/main" val="293103080"/>
+        <p14:creationId xmlns:p14="http://schemas.microsoft.com/office/powerpoint/2010/main" val="3281045288"/>
       </p:ext>
     </p:extLst>
   </p:cSld>
@@ -7378,7 +7570,7 @@
             </a:r>
             <a:r>
               <a:rPr lang="de-CH" dirty="0" err="1" smtClean="0"/>
-              <a:t>V_Invoices</a:t>
+              <a:t>V_UsagePerLocation</a:t>
             </a:r>
             <a:endParaRPr lang="de-CH" dirty="0"/>
           </a:p>
@@ -7396,31 +7588,61 @@
         </p:nvSpPr>
         <p:spPr/>
         <p:txBody>
-          <a:bodyPr/>
-          <a:lstStyle/>
-          <a:p>
-            <a:r>
-              <a:rPr lang="de-CH" dirty="0" smtClean="0"/>
-              <a:t>View aller Rechnungen</a:t>
-            </a:r>
-          </a:p>
-          <a:p>
-            <a:endParaRPr lang="de-CH" dirty="0"/>
-          </a:p>
-          <a:p>
-            <a:r>
-              <a:rPr lang="de-CH" dirty="0" smtClean="0"/>
-              <a:t>Beinhaltet Betrag mit / ohne Gutschrift (Zahlung)</a:t>
-            </a:r>
-          </a:p>
-          <a:p>
-            <a:endParaRPr lang="de-CH" dirty="0"/>
-          </a:p>
-          <a:p>
-            <a:r>
-              <a:rPr lang="de-CH" dirty="0" smtClean="0"/>
-              <a:t>Hilfsview für Implementation Fakturierung &amp; Client</a:t>
-            </a:r>
+          <a:bodyPr>
+            <a:normAutofit lnSpcReduction="10000"/>
+          </a:bodyPr>
+          <a:lstStyle/>
+          <a:p>
+            <a:r>
+              <a:rPr lang="de-CH" dirty="0" smtClean="0"/>
+              <a:t>Ermittlung freie Interfaces via Tabelle </a:t>
+            </a:r>
+            <a:r>
+              <a:rPr lang="de-CH" dirty="0" err="1"/>
+              <a:t>RelNetworkInterfaces</a:t>
+            </a:r>
+            <a:endParaRPr lang="de-CH" dirty="0" smtClean="0"/>
+          </a:p>
+          <a:p>
+            <a:endParaRPr lang="de-CH" dirty="0"/>
+          </a:p>
+          <a:p>
+            <a:r>
+              <a:rPr lang="de-CH" dirty="0" smtClean="0"/>
+              <a:t>Gruppieren nach Gerätetyp und Location</a:t>
+            </a:r>
+          </a:p>
+          <a:p>
+            <a:endParaRPr lang="de-CH" dirty="0"/>
+          </a:p>
+          <a:p>
+            <a:r>
+              <a:rPr lang="de-CH" dirty="0" err="1" smtClean="0"/>
+              <a:t>V_UsagePerPod</a:t>
+            </a:r>
+            <a:endParaRPr lang="de-CH" dirty="0"/>
+          </a:p>
+          <a:p>
+            <a:pPr lvl="1"/>
+            <a:r>
+              <a:rPr lang="de-CH" dirty="0" smtClean="0"/>
+              <a:t>Grundlage: </a:t>
+            </a:r>
+            <a:r>
+              <a:rPr lang="de-CH" dirty="0" err="1" smtClean="0"/>
+              <a:t>V_UsagePerLocation</a:t>
+            </a:r>
+            <a:endParaRPr lang="de-CH" dirty="0" smtClean="0"/>
+          </a:p>
+          <a:p>
+            <a:pPr lvl="1"/>
+            <a:r>
+              <a:rPr lang="de-CH" dirty="0" smtClean="0"/>
+              <a:t>Gruppierung nach POD</a:t>
+            </a:r>
+          </a:p>
+          <a:p>
+            <a:pPr lvl="1"/>
             <a:endParaRPr lang="de-CH" dirty="0"/>
           </a:p>
         </p:txBody>
@@ -7428,7 +7650,7 @@
     </p:spTree>
     <p:extLst>
       <p:ext uri="{BB962C8B-B14F-4D97-AF65-F5344CB8AC3E}">
-        <p14:creationId xmlns:p14="http://schemas.microsoft.com/office/powerpoint/2010/main" val="230718660"/>
+        <p14:creationId xmlns:p14="http://schemas.microsoft.com/office/powerpoint/2010/main" val="293103080"/>
       </p:ext>
     </p:extLst>
   </p:cSld>
@@ -7668,7 +7890,7 @@
   <a:extraClrSchemeLst/>
   <a:extLst>
     <a:ext uri="{05A4C25C-085E-4340-85A3-A5531E510DB2}">
-      <thm15:themeFamily xmlns:thm15="http://schemas.microsoft.com/office/thememl/2012/main" name="Wood Type" id="{7ACABC62-BF99-48CF-A9DC-4DB89C7B13DC}" vid="{142A1326-48AB-42A9-8428-CB14AA30176D}"/>
+      <thm15:themeFamily xmlns:thm15="http://schemas.microsoft.com/office/thememl/2012/main" xmlns="" name="Wood Type" id="{7ACABC62-BF99-48CF-A9DC-4DB89C7B13DC}" vid="{142A1326-48AB-42A9-8428-CB14AA30176D}"/>
     </a:ext>
   </a:extLst>
 </a:theme>
